--- a/CS350/SpatialPartitionIntro.pptx
+++ b/CS350/SpatialPartitionIntro.pptx
@@ -221,7 +221,7 @@
           <a:p>
             <a:fld id="{53C9F55E-86C8-40C3-B143-2DF90D0BE23C}" type="datetimeFigureOut">
               <a:rPr lang="en-US" smtClean="0"/>
-              <a:t>6/27/2018</a:t>
+              <a:t>9/26/2017</a:t>
             </a:fld>
             <a:endParaRPr lang="en-US"/>
           </a:p>
@@ -4881,7 +4881,7 @@
           <a:p>
             <a:fld id="{ECD19FB2-3AAB-4D03-B13A-2960828C78E3}" type="datetimeFigureOut">
               <a:rPr lang="en-US" smtClean="0"/>
-              <a:t>6/27/2018</a:t>
+              <a:t>9/26/2017</a:t>
             </a:fld>
             <a:endParaRPr lang="en-US" dirty="0"/>
           </a:p>
@@ -5062,7 +5062,7 @@
           <a:p>
             <a:fld id="{0DED02AE-B9A4-47BD-AF8E-97E16144138B}" type="datetimeFigureOut">
               <a:rPr lang="en-US" smtClean="0"/>
-              <a:t>6/27/2018</a:t>
+              <a:t>9/26/2017</a:t>
             </a:fld>
             <a:endParaRPr lang="en-US" dirty="0"/>
           </a:p>
@@ -5247,7 +5247,7 @@
           <a:p>
             <a:fld id="{CF0FD78B-DB02-4362-BCDC-98A55456977C}" type="datetimeFigureOut">
               <a:rPr lang="en-US" smtClean="0"/>
-              <a:t>6/27/2018</a:t>
+              <a:t>9/26/2017</a:t>
             </a:fld>
             <a:endParaRPr lang="en-US" dirty="0"/>
           </a:p>
@@ -5427,7 +5427,7 @@
           <a:p>
             <a:fld id="{99916976-5D93-46E4-A98A-FAD63E4D0EA8}" type="datetimeFigureOut">
               <a:rPr lang="en-US" smtClean="0"/>
-              <a:t>6/27/2018</a:t>
+              <a:t>9/26/2017</a:t>
             </a:fld>
             <a:endParaRPr lang="en-US" dirty="0"/>
           </a:p>
@@ -5678,7 +5678,7 @@
           <a:p>
             <a:fld id="{0F39F4F5-F4D2-4D2A-AB60-88D37ADCB869}" type="datetimeFigureOut">
               <a:rPr lang="en-US" smtClean="0"/>
-              <a:t>6/27/2018</a:t>
+              <a:t>9/26/2017</a:t>
             </a:fld>
             <a:endParaRPr lang="en-US" dirty="0"/>
           </a:p>
@@ -5920,7 +5920,7 @@
           <a:p>
             <a:fld id="{D23BC6CE-6D1E-47E5-8859-F31AC5380EB2}" type="datetimeFigureOut">
               <a:rPr lang="en-US" smtClean="0"/>
-              <a:t>6/27/2018</a:t>
+              <a:t>9/26/2017</a:t>
             </a:fld>
             <a:endParaRPr lang="en-US" dirty="0"/>
           </a:p>
@@ -6292,7 +6292,7 @@
           <a:p>
             <a:fld id="{B1B4E7C4-4DA4-404D-9965-B13F2DD7D8BF}" type="datetimeFigureOut">
               <a:rPr lang="en-US" smtClean="0"/>
-              <a:t>6/27/2018</a:t>
+              <a:t>9/26/2017</a:t>
             </a:fld>
             <a:endParaRPr lang="en-US" dirty="0"/>
           </a:p>
@@ -6415,7 +6415,7 @@
           <a:p>
             <a:fld id="{476FB7AA-4A53-424F-AD41-70827B6504BA}" type="datetimeFigureOut">
               <a:rPr lang="en-US" smtClean="0"/>
-              <a:t>6/27/2018</a:t>
+              <a:t>9/26/2017</a:t>
             </a:fld>
             <a:endParaRPr lang="en-US" dirty="0"/>
           </a:p>
@@ -6515,7 +6515,7 @@
           <a:p>
             <a:fld id="{E7884882-FB12-4BC8-9960-9AD8104D7FAE}" type="datetimeFigureOut">
               <a:rPr lang="en-US" smtClean="0"/>
-              <a:t>6/27/2018</a:t>
+              <a:t>9/26/2017</a:t>
             </a:fld>
             <a:endParaRPr lang="en-US" dirty="0"/>
           </a:p>
@@ -6797,7 +6797,7 @@
           <a:p>
             <a:fld id="{F7D1BD23-6E54-4D9D-AD88-A2813C73CC25}" type="datetimeFigureOut">
               <a:rPr lang="en-US" smtClean="0"/>
-              <a:t>6/27/2018</a:t>
+              <a:t>9/26/2017</a:t>
             </a:fld>
             <a:endParaRPr lang="en-US" dirty="0"/>
           </a:p>
@@ -7055,7 +7055,7 @@
           <a:p>
             <a:fld id="{1471A834-4F3C-4AF9-9C74-05EC35A0F292}" type="datetimeFigureOut">
               <a:rPr lang="en-US" smtClean="0"/>
-              <a:t>6/27/2018</a:t>
+              <a:t>9/26/2017</a:t>
             </a:fld>
             <a:endParaRPr lang="en-US" dirty="0"/>
           </a:p>
@@ -7273,7 +7273,7 @@
           <a:p>
             <a:fld id="{51CF1133-3259-4C45-BABA-5B62D9C6F78D}" type="datetimeFigureOut">
               <a:rPr lang="en-US" smtClean="0"/>
-              <a:t>6/27/2018</a:t>
+              <a:t>9/26/2017</a:t>
             </a:fld>
             <a:endParaRPr lang="en-US" dirty="0"/>
           </a:p>
@@ -15059,7 +15059,7 @@
           </a:prstGeom>
           <a:ln w="38100">
             <a:solidFill>
-              <a:schemeClr val="tx1"/>
+              <a:schemeClr val="bg1"/>
             </a:solidFill>
             <a:tailEnd type="triangle"/>
           </a:ln>
@@ -15095,7 +15095,7 @@
           </a:prstGeom>
           <a:ln w="38100">
             <a:solidFill>
-              <a:schemeClr val="tx1"/>
+              <a:schemeClr val="bg1"/>
             </a:solidFill>
             <a:tailEnd type="triangle"/>
           </a:ln>
